--- a/ergasia2/Final_Risk_Management_Presentation_With_Tables.pptx
+++ b/ergasia2/Final_Risk_Management_Presentation_With_Tables.pptx
@@ -316,7 +316,7 @@
           <a:p>
             <a:fld id="{5BCAD085-E8A6-8845-BD4E-CB4CCA059FC4}" type="datetimeFigureOut">
               <a:rPr lang="en-US" smtClean="0"/>
-              <a:t>2/10/2025</a:t>
+              <a:t>2/11/2025</a:t>
             </a:fld>
             <a:endParaRPr lang="en-US"/>
           </a:p>
@@ -484,7 +484,7 @@
           <a:p>
             <a:fld id="{5BCAD085-E8A6-8845-BD4E-CB4CCA059FC4}" type="datetimeFigureOut">
               <a:rPr lang="en-US" smtClean="0"/>
-              <a:t>2/10/2025</a:t>
+              <a:t>2/11/2025</a:t>
             </a:fld>
             <a:endParaRPr lang="en-US"/>
           </a:p>
@@ -662,7 +662,7 @@
           <a:p>
             <a:fld id="{5BCAD085-E8A6-8845-BD4E-CB4CCA059FC4}" type="datetimeFigureOut">
               <a:rPr lang="en-US" smtClean="0"/>
-              <a:t>2/10/2025</a:t>
+              <a:t>2/11/2025</a:t>
             </a:fld>
             <a:endParaRPr lang="en-US"/>
           </a:p>
@@ -830,7 +830,7 @@
           <a:p>
             <a:fld id="{5BCAD085-E8A6-8845-BD4E-CB4CCA059FC4}" type="datetimeFigureOut">
               <a:rPr lang="en-US" smtClean="0"/>
-              <a:t>2/10/2025</a:t>
+              <a:t>2/11/2025</a:t>
             </a:fld>
             <a:endParaRPr lang="en-US"/>
           </a:p>
@@ -1075,7 +1075,7 @@
           <a:p>
             <a:fld id="{5BCAD085-E8A6-8845-BD4E-CB4CCA059FC4}" type="datetimeFigureOut">
               <a:rPr lang="en-US" smtClean="0"/>
-              <a:t>2/10/2025</a:t>
+              <a:t>2/11/2025</a:t>
             </a:fld>
             <a:endParaRPr lang="en-US"/>
           </a:p>
@@ -1360,7 +1360,7 @@
           <a:p>
             <a:fld id="{5BCAD085-E8A6-8845-BD4E-CB4CCA059FC4}" type="datetimeFigureOut">
               <a:rPr lang="en-US" smtClean="0"/>
-              <a:t>2/10/2025</a:t>
+              <a:t>2/11/2025</a:t>
             </a:fld>
             <a:endParaRPr lang="en-US"/>
           </a:p>
@@ -1779,7 +1779,7 @@
           <a:p>
             <a:fld id="{5BCAD085-E8A6-8845-BD4E-CB4CCA059FC4}" type="datetimeFigureOut">
               <a:rPr lang="en-US" smtClean="0"/>
-              <a:t>2/10/2025</a:t>
+              <a:t>2/11/2025</a:t>
             </a:fld>
             <a:endParaRPr lang="en-US"/>
           </a:p>
@@ -1896,7 +1896,7 @@
           <a:p>
             <a:fld id="{5BCAD085-E8A6-8845-BD4E-CB4CCA059FC4}" type="datetimeFigureOut">
               <a:rPr lang="en-US" smtClean="0"/>
-              <a:t>2/10/2025</a:t>
+              <a:t>2/11/2025</a:t>
             </a:fld>
             <a:endParaRPr lang="en-US"/>
           </a:p>
@@ -1991,7 +1991,7 @@
           <a:p>
             <a:fld id="{5BCAD085-E8A6-8845-BD4E-CB4CCA059FC4}" type="datetimeFigureOut">
               <a:rPr lang="en-US" smtClean="0"/>
-              <a:t>2/10/2025</a:t>
+              <a:t>2/11/2025</a:t>
             </a:fld>
             <a:endParaRPr lang="en-US"/>
           </a:p>
@@ -2266,7 +2266,7 @@
           <a:p>
             <a:fld id="{5BCAD085-E8A6-8845-BD4E-CB4CCA059FC4}" type="datetimeFigureOut">
               <a:rPr lang="en-US" smtClean="0"/>
-              <a:t>2/10/2025</a:t>
+              <a:t>2/11/2025</a:t>
             </a:fld>
             <a:endParaRPr lang="en-US"/>
           </a:p>
@@ -2518,7 +2518,7 @@
           <a:p>
             <a:fld id="{5BCAD085-E8A6-8845-BD4E-CB4CCA059FC4}" type="datetimeFigureOut">
               <a:rPr lang="en-US" smtClean="0"/>
-              <a:t>2/10/2025</a:t>
+              <a:t>2/11/2025</a:t>
             </a:fld>
             <a:endParaRPr lang="en-US"/>
           </a:p>
@@ -2729,7 +2729,7 @@
           <a:p>
             <a:fld id="{5BCAD085-E8A6-8845-BD4E-CB4CCA059FC4}" type="datetimeFigureOut">
               <a:rPr lang="en-US" smtClean="0"/>
-              <a:t>2/10/2025</a:t>
+              <a:t>2/11/2025</a:t>
             </a:fld>
             <a:endParaRPr lang="en-US"/>
           </a:p>
@@ -4631,14 +4631,14 @@
           <p:nvPr>
             <p:extLst>
               <p:ext uri="{D42A27DB-BD31-4B8C-83A1-F6EECF244321}">
-                <p14:modId xmlns:p14="http://schemas.microsoft.com/office/powerpoint/2010/main" val="3001306985"/>
+                <p14:modId xmlns:p14="http://schemas.microsoft.com/office/powerpoint/2010/main" val="2157700051"/>
               </p:ext>
             </p:extLst>
           </p:nvPr>
         </p:nvGraphicFramePr>
         <p:xfrm>
           <a:off x="65784" y="1325551"/>
-          <a:ext cx="9005855" cy="4962951"/>
+          <a:ext cx="9005855" cy="5511591"/>
         </p:xfrm>
         <a:graphic>
           <a:graphicData uri="http://schemas.openxmlformats.org/drawingml/2006/table">
@@ -4690,16 +4690,28 @@
                     <a:lstStyle/>
                     <a:p>
                       <a:r>
-                        <a:t>Πληροφοριακό Αγαθό</a:t>
-                      </a:r>
-                    </a:p>
-                  </a:txBody>
-                  <a:tcPr/>
-                </a:tc>
-                <a:tc>
-                  <a:txBody>
-                    <a:bodyPr/>
-                    <a:lstStyle/>
+                        <a:rPr dirty="0" err="1"/>
+                        <a:t>Πληροφορι</a:t>
+                      </a:r>
+                      <a:r>
+                        <a:rPr dirty="0"/>
+                        <a:t>ακό Αγαθό</a:t>
+                      </a:r>
+                    </a:p>
+                  </a:txBody>
+                  <a:tcPr/>
+                </a:tc>
+                <a:tc>
+                  <a:txBody>
+                    <a:bodyPr/>
+                    <a:lstStyle/>
+                    <a:p>
+                      <a:r>
+                        <a:rPr lang="en-US" dirty="0"/>
+                        <a:t>(Data  Destruction)</a:t>
+                      </a:r>
+                      <a:endParaRPr lang="el-GR" dirty="0"/>
+                    </a:p>
                     <a:p>
                       <a:r>
                         <a:rPr lang="en-US" dirty="0"/>
@@ -4717,7 +4729,7 @@
                     <a:p>
                       <a:r>
                         <a:rPr lang="en-US" dirty="0"/>
-                        <a:t>Encryption, Access Control, SIEM, FIREWALL,</a:t>
+                        <a:t>(Information Disclosure)Encryption, Access Control, SIEM, FIREWALL,</a:t>
                       </a:r>
                     </a:p>
                     <a:p>
@@ -4737,7 +4749,7 @@
                     <a:p>
                       <a:r>
                         <a:rPr lang="en-US" dirty="0"/>
-                        <a:t>MFA, Endpoint Security, IAM, DLP, Network segmentation, monitoring, LEAST PRIVILEGE</a:t>
+                        <a:t>(Theft/Loss of Data)MFA, Endpoint Security, IAM, DLP, Network segmentation, monitoring, LEAST PRIVILEGE</a:t>
                       </a:r>
                       <a:endParaRPr dirty="0"/>
                     </a:p>
@@ -4749,10 +4761,54 @@
                     <a:bodyPr/>
                     <a:lstStyle/>
                     <a:p>
+                      <a:pPr marL="0" marR="0" lvl="0" indent="0" algn="l" defTabSz="457200" rtl="0" eaLnBrk="1" fontAlgn="auto" latinLnBrk="0" hangingPunct="1">
+                        <a:lnSpc>
+                          <a:spcPct val="100000"/>
+                        </a:lnSpc>
+                        <a:spcBef>
+                          <a:spcPts val="0"/>
+                        </a:spcBef>
+                        <a:spcAft>
+                          <a:spcPts val="0"/>
+                        </a:spcAft>
+                        <a:buClrTx/>
+                        <a:buSzTx/>
+                        <a:buFontTx/>
+                        <a:buNone/>
+                        <a:tabLst/>
+                        <a:defRPr/>
+                      </a:pPr>
+                      <a:r>
+                        <a:rPr lang="en-US" dirty="0"/>
+                        <a:t>(Unauthorized Access)</a:t>
+                      </a:r>
+                    </a:p>
+                    <a:p>
+                      <a:pPr marL="0" marR="0" lvl="0" indent="0" algn="ctr" defTabSz="457200" rtl="0" eaLnBrk="1" fontAlgn="auto" latinLnBrk="0" hangingPunct="1">
+                        <a:lnSpc>
+                          <a:spcPct val="100000"/>
+                        </a:lnSpc>
+                        <a:spcBef>
+                          <a:spcPts val="0"/>
+                        </a:spcBef>
+                        <a:spcAft>
+                          <a:spcPts val="0"/>
+                        </a:spcAft>
+                        <a:buClrTx/>
+                        <a:buSzTx/>
+                        <a:buFontTx/>
+                        <a:buNone/>
+                        <a:tabLst/>
+                        <a:defRPr/>
+                      </a:pPr>
                       <a:r>
                         <a:rPr lang="en-US" dirty="0"/>
                         <a:t>RBAC, IAM, MFA, zero trust, LOGGING, AUDITING</a:t>
                       </a:r>
+                    </a:p>
+                    <a:p>
+                      <a:pPr algn="ctr"/>
+                      <a:endParaRPr lang="en-US" dirty="0"/>
                     </a:p>
                   </a:txBody>
                   <a:tcPr anchor="ctr"/>
@@ -4770,6 +4826,7 @@
                     <a:lstStyle/>
                     <a:p>
                       <a:r>
+                        <a:rPr dirty="0"/>
                         <a:t>Customer Data</a:t>
                       </a:r>
                     </a:p>
@@ -4841,6 +4898,7 @@
                     <a:lstStyle/>
                     <a:p>
                       <a:r>
+                        <a:rPr dirty="0"/>
                         <a:t>SOC Internal Data</a:t>
                       </a:r>
                     </a:p>

--- a/ergasia2/Final_Risk_Management_Presentation_With_Tables.pptx
+++ b/ergasia2/Final_Risk_Management_Presentation_With_Tables.pptx
@@ -316,7 +316,7 @@
           <a:p>
             <a:fld id="{5BCAD085-E8A6-8845-BD4E-CB4CCA059FC4}" type="datetimeFigureOut">
               <a:rPr lang="en-US" smtClean="0"/>
-              <a:t>2/11/2025</a:t>
+              <a:t>2/12/2025</a:t>
             </a:fld>
             <a:endParaRPr lang="en-US"/>
           </a:p>
@@ -484,7 +484,7 @@
           <a:p>
             <a:fld id="{5BCAD085-E8A6-8845-BD4E-CB4CCA059FC4}" type="datetimeFigureOut">
               <a:rPr lang="en-US" smtClean="0"/>
-              <a:t>2/11/2025</a:t>
+              <a:t>2/12/2025</a:t>
             </a:fld>
             <a:endParaRPr lang="en-US"/>
           </a:p>
@@ -662,7 +662,7 @@
           <a:p>
             <a:fld id="{5BCAD085-E8A6-8845-BD4E-CB4CCA059FC4}" type="datetimeFigureOut">
               <a:rPr lang="en-US" smtClean="0"/>
-              <a:t>2/11/2025</a:t>
+              <a:t>2/12/2025</a:t>
             </a:fld>
             <a:endParaRPr lang="en-US"/>
           </a:p>
@@ -830,7 +830,7 @@
           <a:p>
             <a:fld id="{5BCAD085-E8A6-8845-BD4E-CB4CCA059FC4}" type="datetimeFigureOut">
               <a:rPr lang="en-US" smtClean="0"/>
-              <a:t>2/11/2025</a:t>
+              <a:t>2/12/2025</a:t>
             </a:fld>
             <a:endParaRPr lang="en-US"/>
           </a:p>
@@ -1075,7 +1075,7 @@
           <a:p>
             <a:fld id="{5BCAD085-E8A6-8845-BD4E-CB4CCA059FC4}" type="datetimeFigureOut">
               <a:rPr lang="en-US" smtClean="0"/>
-              <a:t>2/11/2025</a:t>
+              <a:t>2/12/2025</a:t>
             </a:fld>
             <a:endParaRPr lang="en-US"/>
           </a:p>
@@ -1360,7 +1360,7 @@
           <a:p>
             <a:fld id="{5BCAD085-E8A6-8845-BD4E-CB4CCA059FC4}" type="datetimeFigureOut">
               <a:rPr lang="en-US" smtClean="0"/>
-              <a:t>2/11/2025</a:t>
+              <a:t>2/12/2025</a:t>
             </a:fld>
             <a:endParaRPr lang="en-US"/>
           </a:p>
@@ -1779,7 +1779,7 @@
           <a:p>
             <a:fld id="{5BCAD085-E8A6-8845-BD4E-CB4CCA059FC4}" type="datetimeFigureOut">
               <a:rPr lang="en-US" smtClean="0"/>
-              <a:t>2/11/2025</a:t>
+              <a:t>2/12/2025</a:t>
             </a:fld>
             <a:endParaRPr lang="en-US"/>
           </a:p>
@@ -1896,7 +1896,7 @@
           <a:p>
             <a:fld id="{5BCAD085-E8A6-8845-BD4E-CB4CCA059FC4}" type="datetimeFigureOut">
               <a:rPr lang="en-US" smtClean="0"/>
-              <a:t>2/11/2025</a:t>
+              <a:t>2/12/2025</a:t>
             </a:fld>
             <a:endParaRPr lang="en-US"/>
           </a:p>
@@ -1991,7 +1991,7 @@
           <a:p>
             <a:fld id="{5BCAD085-E8A6-8845-BD4E-CB4CCA059FC4}" type="datetimeFigureOut">
               <a:rPr lang="en-US" smtClean="0"/>
-              <a:t>2/11/2025</a:t>
+              <a:t>2/12/2025</a:t>
             </a:fld>
             <a:endParaRPr lang="en-US"/>
           </a:p>
@@ -2266,7 +2266,7 @@
           <a:p>
             <a:fld id="{5BCAD085-E8A6-8845-BD4E-CB4CCA059FC4}" type="datetimeFigureOut">
               <a:rPr lang="en-US" smtClean="0"/>
-              <a:t>2/11/2025</a:t>
+              <a:t>2/12/2025</a:t>
             </a:fld>
             <a:endParaRPr lang="en-US"/>
           </a:p>
@@ -2518,7 +2518,7 @@
           <a:p>
             <a:fld id="{5BCAD085-E8A6-8845-BD4E-CB4CCA059FC4}" type="datetimeFigureOut">
               <a:rPr lang="en-US" smtClean="0"/>
-              <a:t>2/11/2025</a:t>
+              <a:t>2/12/2025</a:t>
             </a:fld>
             <a:endParaRPr lang="en-US"/>
           </a:p>
@@ -2729,7 +2729,7 @@
           <a:p>
             <a:fld id="{5BCAD085-E8A6-8845-BD4E-CB4CCA059FC4}" type="datetimeFigureOut">
               <a:rPr lang="en-US" smtClean="0"/>
-              <a:t>2/11/2025</a:t>
+              <a:t>2/12/2025</a:t>
             </a:fld>
             <a:endParaRPr lang="en-US"/>
           </a:p>
@@ -7046,27 +7046,104 @@
           <a:lstStyle/>
           <a:p>
             <a:r>
-              <a:t>Η υπηρεσία Managed SIEM παρέχει:</a:t>
-            </a:r>
-          </a:p>
-          <a:p>
-            <a:r>
-              <a:t>• Συλλογή και ανάλυση logs για κυβερνοαπειλές</a:t>
-            </a:r>
-          </a:p>
-          <a:p>
-            <a:r>
-              <a:t>• Παρακολούθηση &amp; συσχέτιση συμβάντων ασφαλείας</a:t>
-            </a:r>
-          </a:p>
-          <a:p>
-            <a:r>
-              <a:t>• Εφαρμογή κανόνων ανίχνευσης και απόκρισης σε επιθέσεις</a:t>
-            </a:r>
-          </a:p>
-          <a:p>
-            <a:r>
-              <a:t>• Διαχείριση και ανάλυση συμβάντων σε SOC</a:t>
+              <a:rPr dirty="0"/>
+              <a:t>Η υπ</a:t>
+            </a:r>
+            <a:r>
+              <a:rPr dirty="0" err="1"/>
+              <a:t>ηρεσί</a:t>
+            </a:r>
+            <a:r>
+              <a:rPr dirty="0"/>
+              <a:t>α Managed SIEM παρέχει:</a:t>
+            </a:r>
+          </a:p>
+          <a:p>
+            <a:r>
+              <a:rPr dirty="0"/>
+              <a:t>• </a:t>
+            </a:r>
+            <a:r>
+              <a:rPr dirty="0" err="1"/>
+              <a:t>Συλλογή</a:t>
+            </a:r>
+            <a:r>
+              <a:rPr dirty="0"/>
+              <a:t> και α</a:t>
+            </a:r>
+            <a:r>
+              <a:rPr dirty="0" err="1"/>
+              <a:t>νάλυση</a:t>
+            </a:r>
+            <a:r>
+              <a:rPr dirty="0"/>
+              <a:t> logs </a:t>
+            </a:r>
+            <a:r>
+              <a:rPr dirty="0" err="1"/>
+              <a:t>γι</a:t>
+            </a:r>
+            <a:r>
+              <a:rPr dirty="0"/>
+              <a:t>α κυβερνοαπειλές</a:t>
+            </a:r>
+          </a:p>
+          <a:p>
+            <a:r>
+              <a:rPr dirty="0"/>
+              <a:t>• Παρα</a:t>
+            </a:r>
+            <a:r>
+              <a:rPr dirty="0" err="1"/>
+              <a:t>κολούθηση</a:t>
+            </a:r>
+            <a:r>
+              <a:rPr dirty="0"/>
+              <a:t> &amp; </a:t>
+            </a:r>
+            <a:r>
+              <a:rPr dirty="0" err="1"/>
+              <a:t>συσχέτιση</a:t>
+            </a:r>
+            <a:r>
+              <a:rPr dirty="0"/>
+              <a:t> </a:t>
+            </a:r>
+            <a:r>
+              <a:rPr dirty="0" err="1"/>
+              <a:t>συμ</a:t>
+            </a:r>
+            <a:r>
+              <a:rPr dirty="0"/>
+              <a:t>βάντων ασφαλείας</a:t>
+            </a:r>
+          </a:p>
+          <a:p>
+            <a:r>
+              <a:rPr dirty="0"/>
+              <a:t>• </a:t>
+            </a:r>
+            <a:r>
+              <a:rPr dirty="0" err="1"/>
+              <a:t>Εφ</a:t>
+            </a:r>
+            <a:r>
+              <a:rPr dirty="0"/>
+              <a:t>αρμογή κανόνων ανίχνευσης και απόκρισης σε επιθέσεις</a:t>
+            </a:r>
+          </a:p>
+          <a:p>
+            <a:r>
+              <a:rPr dirty="0"/>
+              <a:t>• </a:t>
+            </a:r>
+            <a:r>
+              <a:rPr dirty="0" err="1"/>
+              <a:t>Δι</a:t>
+            </a:r>
+            <a:r>
+              <a:rPr dirty="0"/>
+              <a:t>αχείριση και ανάλυση συμβάντων σε SOC</a:t>
             </a:r>
           </a:p>
         </p:txBody>
@@ -7112,7 +7189,12 @@
           <a:lstStyle/>
           <a:p>
             <a:r>
-              <a:t>Πληροφοριακά Αγαθά</a:t>
+              <a:rPr dirty="0" err="1"/>
+              <a:t>Πληροφορι</a:t>
+            </a:r>
+            <a:r>
+              <a:rPr dirty="0"/>
+              <a:t>ακά Αγαθά</a:t>
             </a:r>
           </a:p>
         </p:txBody>
